--- a/5.8/Tryton 5.8 - Doc 80.01 - Ancillaries.pptx
+++ b/5.8/Tryton 5.8 - Doc 80.01 - Ancillaries.pptx
@@ -224,7 +224,7 @@
           <a:p>
             <a:fld id="{F8FD9220-3D18-4077-BD0E-AFA621EE8E9B}" type="datetimeFigureOut">
               <a:rPr lang="en-BE" smtClean="0"/>
-              <a:t>28/04/2021</a:t>
+              <a:t>03/05/2021</a:t>
             </a:fld>
             <a:endParaRPr lang="en-BE"/>
           </a:p>
@@ -4869,20 +4869,8 @@
           <a:lstStyle/>
           <a:p>
             <a:r>
-              <a:rPr lang="fr-BE" sz="3200" dirty="0"/>
-              <a:t>A tutorial </a:t>
-            </a:r>
-            <a:r>
               <a:rPr lang="fr-BE" sz="3200" dirty="0" err="1"/>
-              <a:t>explaining</a:t>
-            </a:r>
-            <a:r>
-              <a:rPr lang="fr-BE" sz="3200" dirty="0"/>
-              <a:t> by </a:t>
-            </a:r>
-            <a:r>
-              <a:rPr lang="fr-BE" sz="3200" dirty="0" err="1"/>
-              <a:t>example</a:t>
+              <a:t>Explaining</a:t>
             </a:r>
             <a:br>
               <a:rPr lang="fr-BE" sz="3200" dirty="0"/>
@@ -4936,7 +4924,7 @@
               <a:t>Usage : </a:t>
             </a:r>
             <a:r>
-              <a:rPr lang="fr-BE" sz="3200"/>
+              <a:rPr lang="fr-BE" sz="3200" dirty="0" err="1"/>
               <a:t>Ancillaries</a:t>
             </a:r>
             <a:endParaRPr lang="en-BE" sz="3200" dirty="0"/>
@@ -4945,31 +4933,195 @@
       </p:sp>
       <p:sp>
         <p:nvSpPr>
-          <p:cNvPr id="8" name="Subtitle 3">
-            <a:extLst>
-              <a:ext uri="{FF2B5EF4-FFF2-40B4-BE49-F238E27FC236}">
-                <a16:creationId xmlns:a16="http://schemas.microsoft.com/office/drawing/2014/main" id="{5B5CB9B6-D646-4968-BCC7-E1AED3F18EA5}"/>
-              </a:ext>
-            </a:extLst>
-          </p:cNvPr>
-          <p:cNvSpPr>
-            <a:spLocks noGrp="1"/>
-          </p:cNvSpPr>
-          <p:nvPr>
-            <p:ph type="subTitle" idx="1"/>
-          </p:nvPr>
+          <p:cNvPr id="6" name="Subtitle 3">
+            <a:extLst>
+              <a:ext uri="{FF2B5EF4-FFF2-40B4-BE49-F238E27FC236}">
+                <a16:creationId xmlns:a16="http://schemas.microsoft.com/office/drawing/2014/main" id="{7CD705A9-918D-4120-A98B-C041B5BD734F}"/>
+              </a:ext>
+            </a:extLst>
+          </p:cNvPr>
+          <p:cNvSpPr>
+            <a:spLocks noGrp="1"/>
+          </p:cNvSpPr>
+          <p:nvPr/>
         </p:nvSpPr>
         <p:spPr>
           <a:xfrm>
-            <a:off x="702367" y="4988766"/>
+            <a:off x="895928" y="5065442"/>
             <a:ext cx="9144000" cy="1684595"/>
           </a:xfrm>
+          <a:prstGeom prst="rect">
+            <a:avLst/>
+          </a:prstGeom>
         </p:spPr>
         <p:txBody>
           <a:bodyPr>
             <a:normAutofit/>
           </a:bodyPr>
-          <a:lstStyle/>
+          <a:lstStyle>
+            <a:lvl1pPr marL="0" indent="0" algn="ctr" defTabSz="914400" rtl="0" eaLnBrk="1" latinLnBrk="0" hangingPunct="1">
+              <a:lnSpc>
+                <a:spcPct val="90000"/>
+              </a:lnSpc>
+              <a:spcBef>
+                <a:spcPts val="1000"/>
+              </a:spcBef>
+              <a:buFont typeface="Arial" panose="020B0604020202020204" pitchFamily="34" charset="0"/>
+              <a:buNone/>
+              <a:defRPr sz="2400" kern="1200">
+                <a:solidFill>
+                  <a:schemeClr val="tx1"/>
+                </a:solidFill>
+                <a:latin typeface="+mn-lt"/>
+                <a:ea typeface="+mn-ea"/>
+                <a:cs typeface="+mn-cs"/>
+              </a:defRPr>
+            </a:lvl1pPr>
+            <a:lvl2pPr marL="457200" indent="0" algn="ctr" defTabSz="914400" rtl="0" eaLnBrk="1" latinLnBrk="0" hangingPunct="1">
+              <a:lnSpc>
+                <a:spcPct val="90000"/>
+              </a:lnSpc>
+              <a:spcBef>
+                <a:spcPts val="500"/>
+              </a:spcBef>
+              <a:buFont typeface="Arial" panose="020B0604020202020204" pitchFamily="34" charset="0"/>
+              <a:buNone/>
+              <a:defRPr sz="2000" kern="1200">
+                <a:solidFill>
+                  <a:schemeClr val="tx1"/>
+                </a:solidFill>
+                <a:latin typeface="+mn-lt"/>
+                <a:ea typeface="+mn-ea"/>
+                <a:cs typeface="+mn-cs"/>
+              </a:defRPr>
+            </a:lvl2pPr>
+            <a:lvl3pPr marL="914400" indent="0" algn="ctr" defTabSz="914400" rtl="0" eaLnBrk="1" latinLnBrk="0" hangingPunct="1">
+              <a:lnSpc>
+                <a:spcPct val="90000"/>
+              </a:lnSpc>
+              <a:spcBef>
+                <a:spcPts val="500"/>
+              </a:spcBef>
+              <a:buFont typeface="Arial" panose="020B0604020202020204" pitchFamily="34" charset="0"/>
+              <a:buNone/>
+              <a:defRPr sz="1800" kern="1200">
+                <a:solidFill>
+                  <a:schemeClr val="tx1"/>
+                </a:solidFill>
+                <a:latin typeface="+mn-lt"/>
+                <a:ea typeface="+mn-ea"/>
+                <a:cs typeface="+mn-cs"/>
+              </a:defRPr>
+            </a:lvl3pPr>
+            <a:lvl4pPr marL="1371600" indent="0" algn="ctr" defTabSz="914400" rtl="0" eaLnBrk="1" latinLnBrk="0" hangingPunct="1">
+              <a:lnSpc>
+                <a:spcPct val="90000"/>
+              </a:lnSpc>
+              <a:spcBef>
+                <a:spcPts val="500"/>
+              </a:spcBef>
+              <a:buFont typeface="Arial" panose="020B0604020202020204" pitchFamily="34" charset="0"/>
+              <a:buNone/>
+              <a:defRPr sz="1600" kern="1200">
+                <a:solidFill>
+                  <a:schemeClr val="tx1"/>
+                </a:solidFill>
+                <a:latin typeface="+mn-lt"/>
+                <a:ea typeface="+mn-ea"/>
+                <a:cs typeface="+mn-cs"/>
+              </a:defRPr>
+            </a:lvl4pPr>
+            <a:lvl5pPr marL="1828800" indent="0" algn="ctr" defTabSz="914400" rtl="0" eaLnBrk="1" latinLnBrk="0" hangingPunct="1">
+              <a:lnSpc>
+                <a:spcPct val="90000"/>
+              </a:lnSpc>
+              <a:spcBef>
+                <a:spcPts val="500"/>
+              </a:spcBef>
+              <a:buFont typeface="Arial" panose="020B0604020202020204" pitchFamily="34" charset="0"/>
+              <a:buNone/>
+              <a:defRPr sz="1600" kern="1200">
+                <a:solidFill>
+                  <a:schemeClr val="tx1"/>
+                </a:solidFill>
+                <a:latin typeface="+mn-lt"/>
+                <a:ea typeface="+mn-ea"/>
+                <a:cs typeface="+mn-cs"/>
+              </a:defRPr>
+            </a:lvl5pPr>
+            <a:lvl6pPr marL="2286000" indent="0" algn="ctr" defTabSz="914400" rtl="0" eaLnBrk="1" latinLnBrk="0" hangingPunct="1">
+              <a:lnSpc>
+                <a:spcPct val="90000"/>
+              </a:lnSpc>
+              <a:spcBef>
+                <a:spcPts val="500"/>
+              </a:spcBef>
+              <a:buFont typeface="Arial" panose="020B0604020202020204" pitchFamily="34" charset="0"/>
+              <a:buNone/>
+              <a:defRPr sz="1600" kern="1200">
+                <a:solidFill>
+                  <a:schemeClr val="tx1"/>
+                </a:solidFill>
+                <a:latin typeface="+mn-lt"/>
+                <a:ea typeface="+mn-ea"/>
+                <a:cs typeface="+mn-cs"/>
+              </a:defRPr>
+            </a:lvl6pPr>
+            <a:lvl7pPr marL="2743200" indent="0" algn="ctr" defTabSz="914400" rtl="0" eaLnBrk="1" latinLnBrk="0" hangingPunct="1">
+              <a:lnSpc>
+                <a:spcPct val="90000"/>
+              </a:lnSpc>
+              <a:spcBef>
+                <a:spcPts val="500"/>
+              </a:spcBef>
+              <a:buFont typeface="Arial" panose="020B0604020202020204" pitchFamily="34" charset="0"/>
+              <a:buNone/>
+              <a:defRPr sz="1600" kern="1200">
+                <a:solidFill>
+                  <a:schemeClr val="tx1"/>
+                </a:solidFill>
+                <a:latin typeface="+mn-lt"/>
+                <a:ea typeface="+mn-ea"/>
+                <a:cs typeface="+mn-cs"/>
+              </a:defRPr>
+            </a:lvl7pPr>
+            <a:lvl8pPr marL="3200400" indent="0" algn="ctr" defTabSz="914400" rtl="0" eaLnBrk="1" latinLnBrk="0" hangingPunct="1">
+              <a:lnSpc>
+                <a:spcPct val="90000"/>
+              </a:lnSpc>
+              <a:spcBef>
+                <a:spcPts val="500"/>
+              </a:spcBef>
+              <a:buFont typeface="Arial" panose="020B0604020202020204" pitchFamily="34" charset="0"/>
+              <a:buNone/>
+              <a:defRPr sz="1600" kern="1200">
+                <a:solidFill>
+                  <a:schemeClr val="tx1"/>
+                </a:solidFill>
+                <a:latin typeface="+mn-lt"/>
+                <a:ea typeface="+mn-ea"/>
+                <a:cs typeface="+mn-cs"/>
+              </a:defRPr>
+            </a:lvl8pPr>
+            <a:lvl9pPr marL="3657600" indent="0" algn="ctr" defTabSz="914400" rtl="0" eaLnBrk="1" latinLnBrk="0" hangingPunct="1">
+              <a:lnSpc>
+                <a:spcPct val="90000"/>
+              </a:lnSpc>
+              <a:spcBef>
+                <a:spcPts val="500"/>
+              </a:spcBef>
+              <a:buFont typeface="Arial" panose="020B0604020202020204" pitchFamily="34" charset="0"/>
+              <a:buNone/>
+              <a:defRPr sz="1600" kern="1200">
+                <a:solidFill>
+                  <a:schemeClr val="tx1"/>
+                </a:solidFill>
+                <a:latin typeface="+mn-lt"/>
+                <a:ea typeface="+mn-ea"/>
+                <a:cs typeface="+mn-cs"/>
+              </a:defRPr>
+            </a:lvl9pPr>
+          </a:lstStyle>
           <a:p>
             <a:pPr algn="l"/>
             <a:r>
@@ -4996,7 +5148,7 @@
                 </a:solidFill>
                 <a:effectLst/>
               </a:rPr>
-              <a:t>Version of documentation : 01.01 </a:t>
+              <a:t>Version of presentation : 01.02 </a:t>
             </a:r>
             <a:r>
               <a:rPr lang="en-US" sz="1800" dirty="0">
@@ -5013,7 +5165,7 @@
                 </a:solidFill>
                 <a:effectLst/>
               </a:rPr>
-              <a:t> 28-Apr-21</a:t>
+              <a:t> 5-May-21</a:t>
             </a:r>
             <a:br>
               <a:rPr lang="en-US" sz="1800" i="0" dirty="0">
@@ -5087,15 +5239,16 @@
             </a:br>
             <a:r>
               <a:rPr lang="fr-BE" sz="1800" dirty="0"/>
-              <a:t>Documentation : </a:t>
+              <a:t>Licence : </a:t>
             </a:r>
             <a:r>
               <a:rPr lang="en-US" sz="1800" dirty="0">
                 <a:solidFill>
                   <a:srgbClr val="333333"/>
                 </a:solidFill>
+                <a:hlinkClick r:id="rId3"/>
               </a:rPr>
-              <a:t>GNU GPL</a:t>
+              <a:t>CC BY 4.0</a:t>
             </a:r>
             <a:br>
               <a:rPr lang="en-US" sz="1800" dirty="0">

--- a/5.8/Tryton 5.8 - Doc 80.01 - Ancillaries.pptx
+++ b/5.8/Tryton 5.8 - Doc 80.01 - Ancillaries.pptx
@@ -224,7 +224,7 @@
           <a:p>
             <a:fld id="{F8FD9220-3D18-4077-BD0E-AFA621EE8E9B}" type="datetimeFigureOut">
               <a:rPr lang="en-BE" smtClean="0"/>
-              <a:t>03/05/2021</a:t>
+              <a:t>04/05/2021</a:t>
             </a:fld>
             <a:endParaRPr lang="en-BE"/>
           </a:p>
@@ -4858,7 +4858,7 @@
         </p:nvSpPr>
         <p:spPr>
           <a:xfrm>
-            <a:off x="1367712" y="2086000"/>
+            <a:off x="1367712" y="1792558"/>
             <a:ext cx="9456576" cy="2417607"/>
           </a:xfrm>
         </p:spPr>
@@ -4869,8 +4869,8 @@
           <a:lstStyle/>
           <a:p>
             <a:r>
-              <a:rPr lang="fr-BE" sz="3200" dirty="0" err="1"/>
-              <a:t>Explaining</a:t>
+              <a:rPr lang="fr-BE" sz="3200" dirty="0"/>
+              <a:t>-</a:t>
             </a:r>
             <a:br>
               <a:rPr lang="fr-BE" sz="3200" dirty="0"/>
@@ -4901,13 +4901,6 @@
             <a:r>
               <a:rPr lang="fr-BE" sz="3200" dirty="0" err="1"/>
               <a:t>users</a:t>
-            </a:r>
-            <a:br>
-              <a:rPr lang="fr-BE" sz="3200" dirty="0"/>
-            </a:br>
-            <a:r>
-              <a:rPr lang="fr-BE" sz="3200" dirty="0"/>
-              <a:t>of the system</a:t>
             </a:r>
             <a:br>
               <a:rPr lang="fr-BE" sz="3200" dirty="0"/>
